--- a/meeting/2023-10-09/09-10-2023.pptx
+++ b/meeting/2023-10-09/09-10-2023.pptx
@@ -9,6 +9,7 @@
     <p:sldId id="258" r:id="rId3"/>
     <p:sldId id="257" r:id="rId4"/>
     <p:sldId id="256" r:id="rId5"/>
+    <p:sldId id="260" r:id="rId6"/>
   </p:sldIdLst>
   <p:sldSz cx="12192000" cy="6858000"/>
   <p:notesSz cx="6858000" cy="9144000"/>
@@ -264,7 +265,7 @@
           <a:p>
             <a:fld id="{FA12C734-CDE2-45E2-B9E9-44CBD0B9EBED}" type="datetimeFigureOut">
               <a:rPr lang="en-CH" smtClean="0"/>
-              <a:t>10/10/2023</a:t>
+              <a:t>13/11/2023</a:t>
             </a:fld>
             <a:endParaRPr lang="en-CH"/>
           </a:p>
@@ -464,7 +465,7 @@
           <a:p>
             <a:fld id="{FA12C734-CDE2-45E2-B9E9-44CBD0B9EBED}" type="datetimeFigureOut">
               <a:rPr lang="en-CH" smtClean="0"/>
-              <a:t>10/10/2023</a:t>
+              <a:t>13/11/2023</a:t>
             </a:fld>
             <a:endParaRPr lang="en-CH"/>
           </a:p>
@@ -674,7 +675,7 @@
           <a:p>
             <a:fld id="{FA12C734-CDE2-45E2-B9E9-44CBD0B9EBED}" type="datetimeFigureOut">
               <a:rPr lang="en-CH" smtClean="0"/>
-              <a:t>10/10/2023</a:t>
+              <a:t>13/11/2023</a:t>
             </a:fld>
             <a:endParaRPr lang="en-CH"/>
           </a:p>
@@ -874,7 +875,7 @@
           <a:p>
             <a:fld id="{FA12C734-CDE2-45E2-B9E9-44CBD0B9EBED}" type="datetimeFigureOut">
               <a:rPr lang="en-CH" smtClean="0"/>
-              <a:t>10/10/2023</a:t>
+              <a:t>13/11/2023</a:t>
             </a:fld>
             <a:endParaRPr lang="en-CH"/>
           </a:p>
@@ -1150,7 +1151,7 @@
           <a:p>
             <a:fld id="{FA12C734-CDE2-45E2-B9E9-44CBD0B9EBED}" type="datetimeFigureOut">
               <a:rPr lang="en-CH" smtClean="0"/>
-              <a:t>10/10/2023</a:t>
+              <a:t>13/11/2023</a:t>
             </a:fld>
             <a:endParaRPr lang="en-CH"/>
           </a:p>
@@ -1418,7 +1419,7 @@
           <a:p>
             <a:fld id="{FA12C734-CDE2-45E2-B9E9-44CBD0B9EBED}" type="datetimeFigureOut">
               <a:rPr lang="en-CH" smtClean="0"/>
-              <a:t>10/10/2023</a:t>
+              <a:t>13/11/2023</a:t>
             </a:fld>
             <a:endParaRPr lang="en-CH"/>
           </a:p>
@@ -1833,7 +1834,7 @@
           <a:p>
             <a:fld id="{FA12C734-CDE2-45E2-B9E9-44CBD0B9EBED}" type="datetimeFigureOut">
               <a:rPr lang="en-CH" smtClean="0"/>
-              <a:t>10/10/2023</a:t>
+              <a:t>13/11/2023</a:t>
             </a:fld>
             <a:endParaRPr lang="en-CH"/>
           </a:p>
@@ -1975,7 +1976,7 @@
           <a:p>
             <a:fld id="{FA12C734-CDE2-45E2-B9E9-44CBD0B9EBED}" type="datetimeFigureOut">
               <a:rPr lang="en-CH" smtClean="0"/>
-              <a:t>10/10/2023</a:t>
+              <a:t>13/11/2023</a:t>
             </a:fld>
             <a:endParaRPr lang="en-CH"/>
           </a:p>
@@ -2088,7 +2089,7 @@
           <a:p>
             <a:fld id="{FA12C734-CDE2-45E2-B9E9-44CBD0B9EBED}" type="datetimeFigureOut">
               <a:rPr lang="en-CH" smtClean="0"/>
-              <a:t>10/10/2023</a:t>
+              <a:t>13/11/2023</a:t>
             </a:fld>
             <a:endParaRPr lang="en-CH"/>
           </a:p>
@@ -2401,7 +2402,7 @@
           <a:p>
             <a:fld id="{FA12C734-CDE2-45E2-B9E9-44CBD0B9EBED}" type="datetimeFigureOut">
               <a:rPr lang="en-CH" smtClean="0"/>
-              <a:t>10/10/2023</a:t>
+              <a:t>13/11/2023</a:t>
             </a:fld>
             <a:endParaRPr lang="en-CH"/>
           </a:p>
@@ -2690,7 +2691,7 @@
           <a:p>
             <a:fld id="{FA12C734-CDE2-45E2-B9E9-44CBD0B9EBED}" type="datetimeFigureOut">
               <a:rPr lang="en-CH" smtClean="0"/>
-              <a:t>10/10/2023</a:t>
+              <a:t>13/11/2023</a:t>
             </a:fld>
             <a:endParaRPr lang="en-CH"/>
           </a:p>
@@ -2933,7 +2934,7 @@
           <a:p>
             <a:fld id="{FA12C734-CDE2-45E2-B9E9-44CBD0B9EBED}" type="datetimeFigureOut">
               <a:rPr lang="en-CH" smtClean="0"/>
-              <a:t>10/10/2023</a:t>
+              <a:t>13/11/2023</a:t>
             </a:fld>
             <a:endParaRPr lang="en-CH"/>
           </a:p>
@@ -3668,8 +3669,8 @@
           </a:p>
         </p:txBody>
       </p:sp>
-      <mc:AlternateContent xmlns:mc="http://schemas.openxmlformats.org/markup-compatibility/2006">
-        <mc:Choice xmlns:a14="http://schemas.microsoft.com/office/drawing/2010/main" Requires="a14">
+      <mc:AlternateContent xmlns:mc="http://schemas.openxmlformats.org/markup-compatibility/2006" xmlns:a14="http://schemas.microsoft.com/office/drawing/2010/main">
+        <mc:Choice Requires="a14">
           <p:sp>
             <p:nvSpPr>
               <p:cNvPr id="9" name="矩形 8">
@@ -3757,7 +3758,7 @@
             </p:txBody>
           </p:sp>
         </mc:Choice>
-        <mc:Fallback>
+        <mc:Fallback xmlns="">
           <p:sp>
             <p:nvSpPr>
               <p:cNvPr id="9" name="矩形 8">
@@ -3805,8 +3806,8 @@
           </p:sp>
         </mc:Fallback>
       </mc:AlternateContent>
-      <mc:AlternateContent xmlns:mc="http://schemas.openxmlformats.org/markup-compatibility/2006">
-        <mc:Choice xmlns:a14="http://schemas.microsoft.com/office/drawing/2010/main" Requires="a14">
+      <mc:AlternateContent xmlns:mc="http://schemas.openxmlformats.org/markup-compatibility/2006" xmlns:a14="http://schemas.microsoft.com/office/drawing/2010/main">
+        <mc:Choice Requires="a14">
           <p:sp>
             <p:nvSpPr>
               <p:cNvPr id="11" name="矩形 10">
@@ -3886,7 +3887,7 @@
             </p:txBody>
           </p:sp>
         </mc:Choice>
-        <mc:Fallback>
+        <mc:Fallback xmlns="">
           <p:sp>
             <p:nvSpPr>
               <p:cNvPr id="11" name="矩形 10">
@@ -3931,8 +3932,8 @@
           </p:sp>
         </mc:Fallback>
       </mc:AlternateContent>
-      <mc:AlternateContent xmlns:mc="http://schemas.openxmlformats.org/markup-compatibility/2006">
-        <mc:Choice xmlns:a14="http://schemas.microsoft.com/office/drawing/2010/main" Requires="a14">
+      <mc:AlternateContent xmlns:mc="http://schemas.openxmlformats.org/markup-compatibility/2006" xmlns:a14="http://schemas.microsoft.com/office/drawing/2010/main">
+        <mc:Choice Requires="a14">
           <p:sp>
             <p:nvSpPr>
               <p:cNvPr id="12" name="矩形 11">
@@ -4012,7 +4013,7 @@
             </p:txBody>
           </p:sp>
         </mc:Choice>
-        <mc:Fallback>
+        <mc:Fallback xmlns="">
           <p:sp>
             <p:nvSpPr>
               <p:cNvPr id="12" name="矩形 11">
@@ -4057,8 +4058,8 @@
           </p:sp>
         </mc:Fallback>
       </mc:AlternateContent>
-      <mc:AlternateContent xmlns:mc="http://schemas.openxmlformats.org/markup-compatibility/2006">
-        <mc:Choice xmlns:a14="http://schemas.microsoft.com/office/drawing/2010/main" Requires="a14">
+      <mc:AlternateContent xmlns:mc="http://schemas.openxmlformats.org/markup-compatibility/2006" xmlns:a14="http://schemas.microsoft.com/office/drawing/2010/main">
+        <mc:Choice Requires="a14">
           <p:sp>
             <p:nvSpPr>
               <p:cNvPr id="13" name="矩形 12">
@@ -4138,7 +4139,7 @@
             </p:txBody>
           </p:sp>
         </mc:Choice>
-        <mc:Fallback>
+        <mc:Fallback xmlns="">
           <p:sp>
             <p:nvSpPr>
               <p:cNvPr id="13" name="矩形 12">
@@ -4459,8 +4460,8 @@
           </a:p>
         </p:txBody>
       </p:sp>
-      <mc:AlternateContent xmlns:mc="http://schemas.openxmlformats.org/markup-compatibility/2006">
-        <mc:Choice xmlns:a14="http://schemas.microsoft.com/office/drawing/2010/main" Requires="a14">
+      <mc:AlternateContent xmlns:mc="http://schemas.openxmlformats.org/markup-compatibility/2006" xmlns:a14="http://schemas.microsoft.com/office/drawing/2010/main">
+        <mc:Choice Requires="a14">
           <p:sp>
             <p:nvSpPr>
               <p:cNvPr id="22" name="矩形 21">
@@ -4548,7 +4549,7 @@
             </p:txBody>
           </p:sp>
         </mc:Choice>
-        <mc:Fallback>
+        <mc:Fallback xmlns="">
           <p:sp>
             <p:nvSpPr>
               <p:cNvPr id="22" name="矩形 21">
@@ -4676,8 +4677,8 @@
           </a:p>
         </p:txBody>
       </p:sp>
-      <mc:AlternateContent xmlns:mc="http://schemas.openxmlformats.org/markup-compatibility/2006">
-        <mc:Choice xmlns:a14="http://schemas.microsoft.com/office/drawing/2010/main" Requires="a14">
+      <mc:AlternateContent xmlns:mc="http://schemas.openxmlformats.org/markup-compatibility/2006" xmlns:a14="http://schemas.microsoft.com/office/drawing/2010/main">
+        <mc:Choice Requires="a14">
           <p:sp>
             <p:nvSpPr>
               <p:cNvPr id="27" name="矩形 26">
@@ -4765,7 +4766,7 @@
             </p:txBody>
           </p:sp>
         </mc:Choice>
-        <mc:Fallback>
+        <mc:Fallback xmlns="">
           <p:sp>
             <p:nvSpPr>
               <p:cNvPr id="27" name="矩形 26">
@@ -5251,6 +5252,1353 @@
     <p:extLst>
       <p:ext uri="{BB962C8B-B14F-4D97-AF65-F5344CB8AC3E}">
         <p14:creationId xmlns:p14="http://schemas.microsoft.com/office/powerpoint/2010/main" val="4118293622"/>
+      </p:ext>
+    </p:extLst>
+  </p:cSld>
+  <p:clrMapOvr>
+    <a:masterClrMapping/>
+  </p:clrMapOvr>
+</p:sld>
+</file>
+
+<file path=ppt/slides/slide5.xml><?xml version="1.0" encoding="utf-8"?>
+<p:sld xmlns:a="http://schemas.openxmlformats.org/drawingml/2006/main" xmlns:r="http://schemas.openxmlformats.org/officeDocument/2006/relationships" xmlns:p="http://schemas.openxmlformats.org/presentationml/2006/main">
+  <p:cSld>
+    <p:spTree>
+      <p:nvGrpSpPr>
+        <p:cNvPr id="1" name=""/>
+        <p:cNvGrpSpPr/>
+        <p:nvPr/>
+      </p:nvGrpSpPr>
+      <p:grpSpPr>
+        <a:xfrm>
+          <a:off x="0" y="0"/>
+          <a:ext cx="0" cy="0"/>
+          <a:chOff x="0" y="0"/>
+          <a:chExt cx="0" cy="0"/>
+        </a:xfrm>
+      </p:grpSpPr>
+      <p:grpSp>
+        <p:nvGrpSpPr>
+          <p:cNvPr id="20" name="组合 19">
+            <a:extLst>
+              <a:ext uri="{FF2B5EF4-FFF2-40B4-BE49-F238E27FC236}">
+                <a16:creationId xmlns:a16="http://schemas.microsoft.com/office/drawing/2014/main" id="{725F8BBC-731D-0831-42BA-31FFF175778F}"/>
+              </a:ext>
+            </a:extLst>
+          </p:cNvPr>
+          <p:cNvGrpSpPr/>
+          <p:nvPr/>
+        </p:nvGrpSpPr>
+        <p:grpSpPr>
+          <a:xfrm>
+            <a:off x="999588" y="760977"/>
+            <a:ext cx="10438882" cy="5249156"/>
+            <a:chOff x="3146969" y="1840779"/>
+            <a:chExt cx="6144120" cy="3089551"/>
+          </a:xfrm>
+        </p:grpSpPr>
+        <p:sp>
+          <p:nvSpPr>
+            <p:cNvPr id="4" name="矩形 3">
+              <a:extLst>
+                <a:ext uri="{FF2B5EF4-FFF2-40B4-BE49-F238E27FC236}">
+                  <a16:creationId xmlns:a16="http://schemas.microsoft.com/office/drawing/2014/main" id="{1BF9E7A5-DBD3-2496-0F82-963CB7FD5564}"/>
+                </a:ext>
+              </a:extLst>
+            </p:cNvPr>
+            <p:cNvSpPr/>
+            <p:nvPr/>
+          </p:nvSpPr>
+          <p:spPr>
+            <a:xfrm>
+              <a:off x="4367370" y="1840780"/>
+              <a:ext cx="1589570" cy="1255022"/>
+            </a:xfrm>
+            <a:prstGeom prst="rect">
+              <a:avLst/>
+            </a:prstGeom>
+          </p:spPr>
+          <p:style>
+            <a:lnRef idx="1">
+              <a:schemeClr val="accent4"/>
+            </a:lnRef>
+            <a:fillRef idx="2">
+              <a:schemeClr val="accent4"/>
+            </a:fillRef>
+            <a:effectRef idx="1">
+              <a:schemeClr val="accent4"/>
+            </a:effectRef>
+            <a:fontRef idx="minor">
+              <a:schemeClr val="dk1"/>
+            </a:fontRef>
+          </p:style>
+          <p:txBody>
+            <a:bodyPr rtlCol="0" anchor="ctr"/>
+            <a:lstStyle/>
+            <a:p>
+              <a:pPr algn="ctr"/>
+              <a:r>
+                <a:rPr lang="en-US" sz="2800" dirty="0"/>
+                <a:t>Backbone GNN</a:t>
+              </a:r>
+              <a:endParaRPr lang="en-CH" sz="2800" dirty="0"/>
+            </a:p>
+          </p:txBody>
+        </p:sp>
+        <mc:AlternateContent xmlns:mc="http://schemas.openxmlformats.org/markup-compatibility/2006">
+          <mc:Choice xmlns:a14="http://schemas.microsoft.com/office/drawing/2010/main" Requires="a14">
+            <p:sp>
+              <p:nvSpPr>
+                <p:cNvPr id="5" name="矩形 4">
+                  <a:extLst>
+                    <a:ext uri="{FF2B5EF4-FFF2-40B4-BE49-F238E27FC236}">
+                      <a16:creationId xmlns:a16="http://schemas.microsoft.com/office/drawing/2014/main" id="{0ACBAFA3-F728-934B-CB0C-83654E678CC4}"/>
+                    </a:ext>
+                  </a:extLst>
+                </p:cNvPr>
+                <p:cNvSpPr/>
+                <p:nvPr/>
+              </p:nvSpPr>
+              <p:spPr>
+                <a:xfrm>
+                  <a:off x="7491786" y="2863153"/>
+                  <a:ext cx="1140542" cy="1093472"/>
+                </a:xfrm>
+                <a:prstGeom prst="rect">
+                  <a:avLst/>
+                </a:prstGeom>
+                <a:ln>
+                  <a:noFill/>
+                </a:ln>
+              </p:spPr>
+              <p:style>
+                <a:lnRef idx="2">
+                  <a:schemeClr val="accent4">
+                    <a:shade val="15000"/>
+                  </a:schemeClr>
+                </a:lnRef>
+                <a:fillRef idx="1">
+                  <a:schemeClr val="accent4"/>
+                </a:fillRef>
+                <a:effectRef idx="0">
+                  <a:schemeClr val="accent4"/>
+                </a:effectRef>
+                <a:fontRef idx="minor">
+                  <a:schemeClr val="lt1"/>
+                </a:fontRef>
+              </p:style>
+              <p:txBody>
+                <a:bodyPr rtlCol="0" anchor="ctr"/>
+                <a:lstStyle/>
+                <a:p>
+                  <a:pPr algn="ctr"/>
+                  <a14:m>
+                    <m:oMathPara xmlns:m="http://schemas.openxmlformats.org/officeDocument/2006/math">
+                      <m:oMathParaPr>
+                        <m:jc m:val="centerGroup"/>
+                      </m:oMathParaPr>
+                      <m:oMath xmlns:m="http://schemas.openxmlformats.org/officeDocument/2006/math">
+                        <m:sSub>
+                          <m:sSubPr>
+                            <m:ctrlPr>
+                              <a:rPr lang="en-US" sz="2800" b="0" i="1" dirty="0" smtClean="0">
+                                <a:latin typeface="Cambria Math" panose="02040503050406030204" pitchFamily="18" charset="0"/>
+                              </a:rPr>
+                            </m:ctrlPr>
+                          </m:sSubPr>
+                          <m:e>
+                            <m:r>
+                              <a:rPr lang="en-US" sz="2800" i="1" dirty="0" smtClean="0">
+                                <a:latin typeface="Cambria Math" panose="02040503050406030204" pitchFamily="18" charset="0"/>
+                              </a:rPr>
+                              <m:t>𝐴</m:t>
+                            </m:r>
+                          </m:e>
+                          <m:sub>
+                            <m:r>
+                              <m:rPr>
+                                <m:sty m:val="p"/>
+                              </m:rPr>
+                              <a:rPr lang="en-US" altLang="zh-CN" sz="2800" i="1" dirty="0">
+                                <a:latin typeface="Cambria Math" panose="02040503050406030204" pitchFamily="18" charset="0"/>
+                              </a:rPr>
+                              <m:t>ii</m:t>
+                            </m:r>
+                          </m:sub>
+                        </m:sSub>
+                      </m:oMath>
+                    </m:oMathPara>
+                  </a14:m>
+                  <a:endParaRPr lang="en-US" sz="2800" b="0" dirty="0"/>
+                </a:p>
+              </p:txBody>
+            </p:sp>
+          </mc:Choice>
+          <mc:Fallback>
+            <p:sp>
+              <p:nvSpPr>
+                <p:cNvPr id="5" name="矩形 4">
+                  <a:extLst>
+                    <a:ext uri="{FF2B5EF4-FFF2-40B4-BE49-F238E27FC236}">
+                      <a16:creationId xmlns:a16="http://schemas.microsoft.com/office/drawing/2014/main" id="{0ACBAFA3-F728-934B-CB0C-83654E678CC4}"/>
+                    </a:ext>
+                  </a:extLst>
+                </p:cNvPr>
+                <p:cNvSpPr>
+                  <a:spLocks noRot="1" noChangeAspect="1" noMove="1" noResize="1" noEditPoints="1" noAdjustHandles="1" noChangeArrowheads="1" noChangeShapeType="1" noTextEdit="1"/>
+                </p:cNvSpPr>
+                <p:nvPr/>
+              </p:nvSpPr>
+              <p:spPr>
+                <a:xfrm>
+                  <a:off x="7491786" y="2863153"/>
+                  <a:ext cx="1140542" cy="1093472"/>
+                </a:xfrm>
+                <a:prstGeom prst="rect">
+                  <a:avLst/>
+                </a:prstGeom>
+                <a:blipFill>
+                  <a:blip r:embed="rId2"/>
+                  <a:stretch>
+                    <a:fillRect/>
+                  </a:stretch>
+                </a:blipFill>
+                <a:ln>
+                  <a:noFill/>
+                </a:ln>
+              </p:spPr>
+              <p:txBody>
+                <a:bodyPr/>
+                <a:lstStyle/>
+                <a:p>
+                  <a:r>
+                    <a:rPr lang="en-CH">
+                      <a:noFill/>
+                    </a:rPr>
+                    <a:t> </a:t>
+                  </a:r>
+                </a:p>
+              </p:txBody>
+            </p:sp>
+          </mc:Fallback>
+        </mc:AlternateContent>
+        <mc:AlternateContent xmlns:mc="http://schemas.openxmlformats.org/markup-compatibility/2006">
+          <mc:Choice xmlns:a14="http://schemas.microsoft.com/office/drawing/2010/main" Requires="a14">
+            <p:sp>
+              <p:nvSpPr>
+                <p:cNvPr id="6" name="矩形 5">
+                  <a:extLst>
+                    <a:ext uri="{FF2B5EF4-FFF2-40B4-BE49-F238E27FC236}">
+                      <a16:creationId xmlns:a16="http://schemas.microsoft.com/office/drawing/2014/main" id="{F4E360CD-C4E9-A650-DB18-40CC8BF2891E}"/>
+                    </a:ext>
+                  </a:extLst>
+                </p:cNvPr>
+                <p:cNvSpPr/>
+                <p:nvPr/>
+              </p:nvSpPr>
+              <p:spPr>
+                <a:xfrm>
+                  <a:off x="8691321" y="2863153"/>
+                  <a:ext cx="599768" cy="1093472"/>
+                </a:xfrm>
+                <a:prstGeom prst="rect">
+                  <a:avLst/>
+                </a:prstGeom>
+              </p:spPr>
+              <p:style>
+                <a:lnRef idx="3">
+                  <a:schemeClr val="lt1"/>
+                </a:lnRef>
+                <a:fillRef idx="1">
+                  <a:schemeClr val="accent3"/>
+                </a:fillRef>
+                <a:effectRef idx="1">
+                  <a:schemeClr val="accent3"/>
+                </a:effectRef>
+                <a:fontRef idx="minor">
+                  <a:schemeClr val="lt1"/>
+                </a:fontRef>
+              </p:style>
+              <p:txBody>
+                <a:bodyPr rtlCol="0" anchor="ctr"/>
+                <a:lstStyle/>
+                <a:p>
+                  <a:pPr algn="ctr"/>
+                  <a14:m>
+                    <m:oMathPara xmlns:m="http://schemas.openxmlformats.org/officeDocument/2006/math">
+                      <m:oMathParaPr>
+                        <m:jc m:val="centerGroup"/>
+                      </m:oMathParaPr>
+                      <m:oMath xmlns:m="http://schemas.openxmlformats.org/officeDocument/2006/math">
+                        <m:sSub>
+                          <m:sSubPr>
+                            <m:ctrlPr>
+                              <a:rPr lang="en-US" sz="2800" b="0" i="1" smtClean="0">
+                                <a:latin typeface="Cambria Math" panose="02040503050406030204" pitchFamily="18" charset="0"/>
+                              </a:rPr>
+                            </m:ctrlPr>
+                          </m:sSubPr>
+                          <m:e>
+                            <m:r>
+                              <a:rPr lang="en-US" sz="2800" b="0" i="1" smtClean="0">
+                                <a:latin typeface="Cambria Math" panose="02040503050406030204" pitchFamily="18" charset="0"/>
+                              </a:rPr>
+                              <m:t>𝐴</m:t>
+                            </m:r>
+                          </m:e>
+                          <m:sub>
+                            <m:r>
+                              <a:rPr lang="en-US" sz="2800" b="0" i="1" smtClean="0">
+                                <a:latin typeface="Cambria Math" panose="02040503050406030204" pitchFamily="18" charset="0"/>
+                              </a:rPr>
+                              <m:t>𝑖𝑒</m:t>
+                            </m:r>
+                          </m:sub>
+                        </m:sSub>
+                      </m:oMath>
+                    </m:oMathPara>
+                  </a14:m>
+                  <a:endParaRPr lang="en-US" sz="2800" b="0" dirty="0"/>
+                </a:p>
+              </p:txBody>
+            </p:sp>
+          </mc:Choice>
+          <mc:Fallback>
+            <p:sp>
+              <p:nvSpPr>
+                <p:cNvPr id="6" name="矩形 5">
+                  <a:extLst>
+                    <a:ext uri="{FF2B5EF4-FFF2-40B4-BE49-F238E27FC236}">
+                      <a16:creationId xmlns:a16="http://schemas.microsoft.com/office/drawing/2014/main" id="{F4E360CD-C4E9-A650-DB18-40CC8BF2891E}"/>
+                    </a:ext>
+                  </a:extLst>
+                </p:cNvPr>
+                <p:cNvSpPr>
+                  <a:spLocks noRot="1" noChangeAspect="1" noMove="1" noResize="1" noEditPoints="1" noAdjustHandles="1" noChangeArrowheads="1" noChangeShapeType="1" noTextEdit="1"/>
+                </p:cNvSpPr>
+                <p:nvPr/>
+              </p:nvSpPr>
+              <p:spPr>
+                <a:xfrm>
+                  <a:off x="8691321" y="2863153"/>
+                  <a:ext cx="599768" cy="1093472"/>
+                </a:xfrm>
+                <a:prstGeom prst="rect">
+                  <a:avLst/>
+                </a:prstGeom>
+                <a:blipFill>
+                  <a:blip r:embed="rId3"/>
+                  <a:stretch>
+                    <a:fillRect/>
+                  </a:stretch>
+                </a:blipFill>
+              </p:spPr>
+              <p:txBody>
+                <a:bodyPr/>
+                <a:lstStyle/>
+                <a:p>
+                  <a:r>
+                    <a:rPr lang="en-CH">
+                      <a:noFill/>
+                    </a:rPr>
+                    <a:t> </a:t>
+                  </a:r>
+                </a:p>
+              </p:txBody>
+            </p:sp>
+          </mc:Fallback>
+        </mc:AlternateContent>
+        <mc:AlternateContent xmlns:mc="http://schemas.openxmlformats.org/markup-compatibility/2006">
+          <mc:Choice xmlns:a14="http://schemas.microsoft.com/office/drawing/2010/main" Requires="a14">
+            <p:sp>
+              <p:nvSpPr>
+                <p:cNvPr id="7" name="矩形 6">
+                  <a:extLst>
+                    <a:ext uri="{FF2B5EF4-FFF2-40B4-BE49-F238E27FC236}">
+                      <a16:creationId xmlns:a16="http://schemas.microsoft.com/office/drawing/2014/main" id="{44F6F37C-660A-F8BC-92D3-E24510D9D954}"/>
+                    </a:ext>
+                  </a:extLst>
+                </p:cNvPr>
+                <p:cNvSpPr/>
+                <p:nvPr/>
+              </p:nvSpPr>
+              <p:spPr>
+                <a:xfrm>
+                  <a:off x="7491786" y="3998779"/>
+                  <a:ext cx="1140541" cy="601859"/>
+                </a:xfrm>
+                <a:prstGeom prst="rect">
+                  <a:avLst/>
+                </a:prstGeom>
+              </p:spPr>
+              <p:style>
+                <a:lnRef idx="3">
+                  <a:schemeClr val="lt1"/>
+                </a:lnRef>
+                <a:fillRef idx="1">
+                  <a:schemeClr val="accent5"/>
+                </a:fillRef>
+                <a:effectRef idx="1">
+                  <a:schemeClr val="accent5"/>
+                </a:effectRef>
+                <a:fontRef idx="minor">
+                  <a:schemeClr val="lt1"/>
+                </a:fontRef>
+              </p:style>
+              <p:txBody>
+                <a:bodyPr rtlCol="0" anchor="ctr"/>
+                <a:lstStyle/>
+                <a:p>
+                  <a:pPr algn="ctr"/>
+                  <a14:m>
+                    <m:oMathPara xmlns:m="http://schemas.openxmlformats.org/officeDocument/2006/math">
+                      <m:oMathParaPr>
+                        <m:jc m:val="centerGroup"/>
+                      </m:oMathParaPr>
+                      <m:oMath xmlns:m="http://schemas.openxmlformats.org/officeDocument/2006/math">
+                        <m:sSub>
+                          <m:sSubPr>
+                            <m:ctrlPr>
+                              <a:rPr lang="en-US" sz="2800" b="0" i="1" smtClean="0">
+                                <a:latin typeface="Cambria Math" panose="02040503050406030204" pitchFamily="18" charset="0"/>
+                              </a:rPr>
+                            </m:ctrlPr>
+                          </m:sSubPr>
+                          <m:e>
+                            <m:r>
+                              <a:rPr lang="en-US" sz="2800" b="0" i="1" smtClean="0">
+                                <a:latin typeface="Cambria Math" panose="02040503050406030204" pitchFamily="18" charset="0"/>
+                              </a:rPr>
+                              <m:t>𝐴</m:t>
+                            </m:r>
+                          </m:e>
+                          <m:sub>
+                            <m:r>
+                              <a:rPr lang="en-US" sz="2800" b="0" i="1" smtClean="0">
+                                <a:latin typeface="Cambria Math" panose="02040503050406030204" pitchFamily="18" charset="0"/>
+                              </a:rPr>
+                              <m:t>𝑒𝑖</m:t>
+                            </m:r>
+                          </m:sub>
+                        </m:sSub>
+                      </m:oMath>
+                    </m:oMathPara>
+                  </a14:m>
+                  <a:endParaRPr lang="en-US" sz="2800" b="0" dirty="0"/>
+                </a:p>
+              </p:txBody>
+            </p:sp>
+          </mc:Choice>
+          <mc:Fallback>
+            <p:sp>
+              <p:nvSpPr>
+                <p:cNvPr id="7" name="矩形 6">
+                  <a:extLst>
+                    <a:ext uri="{FF2B5EF4-FFF2-40B4-BE49-F238E27FC236}">
+                      <a16:creationId xmlns:a16="http://schemas.microsoft.com/office/drawing/2014/main" id="{44F6F37C-660A-F8BC-92D3-E24510D9D954}"/>
+                    </a:ext>
+                  </a:extLst>
+                </p:cNvPr>
+                <p:cNvSpPr>
+                  <a:spLocks noRot="1" noChangeAspect="1" noMove="1" noResize="1" noEditPoints="1" noAdjustHandles="1" noChangeArrowheads="1" noChangeShapeType="1" noTextEdit="1"/>
+                </p:cNvSpPr>
+                <p:nvPr/>
+              </p:nvSpPr>
+              <p:spPr>
+                <a:xfrm>
+                  <a:off x="7491786" y="3998779"/>
+                  <a:ext cx="1140541" cy="601859"/>
+                </a:xfrm>
+                <a:prstGeom prst="rect">
+                  <a:avLst/>
+                </a:prstGeom>
+                <a:blipFill>
+                  <a:blip r:embed="rId4"/>
+                  <a:stretch>
+                    <a:fillRect/>
+                  </a:stretch>
+                </a:blipFill>
+              </p:spPr>
+              <p:txBody>
+                <a:bodyPr/>
+                <a:lstStyle/>
+                <a:p>
+                  <a:r>
+                    <a:rPr lang="en-CH">
+                      <a:noFill/>
+                    </a:rPr>
+                    <a:t> </a:t>
+                  </a:r>
+                </a:p>
+              </p:txBody>
+            </p:sp>
+          </mc:Fallback>
+        </mc:AlternateContent>
+        <mc:AlternateContent xmlns:mc="http://schemas.openxmlformats.org/markup-compatibility/2006">
+          <mc:Choice xmlns:a14="http://schemas.microsoft.com/office/drawing/2010/main" Requires="a14">
+            <p:sp>
+              <p:nvSpPr>
+                <p:cNvPr id="8" name="矩形 7">
+                  <a:extLst>
+                    <a:ext uri="{FF2B5EF4-FFF2-40B4-BE49-F238E27FC236}">
+                      <a16:creationId xmlns:a16="http://schemas.microsoft.com/office/drawing/2014/main" id="{AFE5D5CD-EA8C-7206-4F44-2CEAD0941484}"/>
+                    </a:ext>
+                  </a:extLst>
+                </p:cNvPr>
+                <p:cNvSpPr/>
+                <p:nvPr/>
+              </p:nvSpPr>
+              <p:spPr>
+                <a:xfrm>
+                  <a:off x="8691321" y="3998779"/>
+                  <a:ext cx="599768" cy="601859"/>
+                </a:xfrm>
+                <a:prstGeom prst="rect">
+                  <a:avLst/>
+                </a:prstGeom>
+              </p:spPr>
+              <p:style>
+                <a:lnRef idx="3">
+                  <a:schemeClr val="lt1"/>
+                </a:lnRef>
+                <a:fillRef idx="1">
+                  <a:schemeClr val="accent3"/>
+                </a:fillRef>
+                <a:effectRef idx="1">
+                  <a:schemeClr val="accent3"/>
+                </a:effectRef>
+                <a:fontRef idx="minor">
+                  <a:schemeClr val="lt1"/>
+                </a:fontRef>
+              </p:style>
+              <p:txBody>
+                <a:bodyPr rtlCol="0" anchor="ctr"/>
+                <a:lstStyle/>
+                <a:p>
+                  <a:pPr algn="ctr"/>
+                  <a14:m>
+                    <m:oMathPara xmlns:m="http://schemas.openxmlformats.org/officeDocument/2006/math">
+                      <m:oMathParaPr>
+                        <m:jc m:val="centerGroup"/>
+                      </m:oMathParaPr>
+                      <m:oMath xmlns:m="http://schemas.openxmlformats.org/officeDocument/2006/math">
+                        <m:sSub>
+                          <m:sSubPr>
+                            <m:ctrlPr>
+                              <a:rPr lang="en-US" sz="2800" b="0" i="1" smtClean="0">
+                                <a:latin typeface="Cambria Math" panose="02040503050406030204" pitchFamily="18" charset="0"/>
+                              </a:rPr>
+                            </m:ctrlPr>
+                          </m:sSubPr>
+                          <m:e>
+                            <m:r>
+                              <a:rPr lang="en-US" sz="2800" b="0" i="1" smtClean="0">
+                                <a:latin typeface="Cambria Math" panose="02040503050406030204" pitchFamily="18" charset="0"/>
+                              </a:rPr>
+                              <m:t>𝐴</m:t>
+                            </m:r>
+                          </m:e>
+                          <m:sub>
+                            <m:r>
+                              <a:rPr lang="en-US" sz="2800" b="0" i="1" smtClean="0">
+                                <a:latin typeface="Cambria Math" panose="02040503050406030204" pitchFamily="18" charset="0"/>
+                              </a:rPr>
+                              <m:t>𝑒𝑒</m:t>
+                            </m:r>
+                          </m:sub>
+                        </m:sSub>
+                      </m:oMath>
+                    </m:oMathPara>
+                  </a14:m>
+                  <a:endParaRPr lang="en-US" sz="2800" b="0" dirty="0"/>
+                </a:p>
+              </p:txBody>
+            </p:sp>
+          </mc:Choice>
+          <mc:Fallback>
+            <p:sp>
+              <p:nvSpPr>
+                <p:cNvPr id="8" name="矩形 7">
+                  <a:extLst>
+                    <a:ext uri="{FF2B5EF4-FFF2-40B4-BE49-F238E27FC236}">
+                      <a16:creationId xmlns:a16="http://schemas.microsoft.com/office/drawing/2014/main" id="{AFE5D5CD-EA8C-7206-4F44-2CEAD0941484}"/>
+                    </a:ext>
+                  </a:extLst>
+                </p:cNvPr>
+                <p:cNvSpPr>
+                  <a:spLocks noRot="1" noChangeAspect="1" noMove="1" noResize="1" noEditPoints="1" noAdjustHandles="1" noChangeArrowheads="1" noChangeShapeType="1" noTextEdit="1"/>
+                </p:cNvSpPr>
+                <p:nvPr/>
+              </p:nvSpPr>
+              <p:spPr>
+                <a:xfrm>
+                  <a:off x="8691321" y="3998779"/>
+                  <a:ext cx="599768" cy="601859"/>
+                </a:xfrm>
+                <a:prstGeom prst="rect">
+                  <a:avLst/>
+                </a:prstGeom>
+                <a:blipFill>
+                  <a:blip r:embed="rId5"/>
+                  <a:stretch>
+                    <a:fillRect/>
+                  </a:stretch>
+                </a:blipFill>
+              </p:spPr>
+              <p:txBody>
+                <a:bodyPr/>
+                <a:lstStyle/>
+                <a:p>
+                  <a:r>
+                    <a:rPr lang="en-CH">
+                      <a:noFill/>
+                    </a:rPr>
+                    <a:t> </a:t>
+                  </a:r>
+                </a:p>
+              </p:txBody>
+            </p:sp>
+          </mc:Fallback>
+        </mc:AlternateContent>
+        <p:sp>
+          <p:nvSpPr>
+            <p:cNvPr id="9" name="箭头: 右 8">
+              <a:extLst>
+                <a:ext uri="{FF2B5EF4-FFF2-40B4-BE49-F238E27FC236}">
+                  <a16:creationId xmlns:a16="http://schemas.microsoft.com/office/drawing/2014/main" id="{0FDA37E9-9987-51A0-2FAE-A4EC1280BA6E}"/>
+                </a:ext>
+              </a:extLst>
+            </p:cNvPr>
+            <p:cNvSpPr/>
+            <p:nvPr/>
+          </p:nvSpPr>
+          <p:spPr>
+            <a:xfrm>
+              <a:off x="3584689" y="2289389"/>
+              <a:ext cx="706696" cy="326254"/>
+            </a:xfrm>
+            <a:prstGeom prst="rightArrow">
+              <a:avLst/>
+            </a:prstGeom>
+          </p:spPr>
+          <p:style>
+            <a:lnRef idx="0">
+              <a:schemeClr val="accent4"/>
+            </a:lnRef>
+            <a:fillRef idx="3">
+              <a:schemeClr val="accent4"/>
+            </a:fillRef>
+            <a:effectRef idx="3">
+              <a:schemeClr val="accent4"/>
+            </a:effectRef>
+            <a:fontRef idx="minor">
+              <a:schemeClr val="lt1"/>
+            </a:fontRef>
+          </p:style>
+          <p:txBody>
+            <a:bodyPr rtlCol="0" anchor="ctr"/>
+            <a:lstStyle/>
+            <a:p>
+              <a:pPr algn="ctr"/>
+              <a:endParaRPr lang="en-CH"/>
+            </a:p>
+          </p:txBody>
+        </p:sp>
+        <p:sp>
+          <p:nvSpPr>
+            <p:cNvPr id="10" name="箭头: 右 9">
+              <a:extLst>
+                <a:ext uri="{FF2B5EF4-FFF2-40B4-BE49-F238E27FC236}">
+                  <a16:creationId xmlns:a16="http://schemas.microsoft.com/office/drawing/2014/main" id="{E6A872DA-9F4C-51F7-E0E9-E904F114DE17}"/>
+                </a:ext>
+              </a:extLst>
+            </p:cNvPr>
+            <p:cNvSpPr/>
+            <p:nvPr/>
+          </p:nvSpPr>
+          <p:spPr>
+            <a:xfrm rot="10800000">
+              <a:off x="6078398" y="4118858"/>
+              <a:ext cx="1243782" cy="280220"/>
+            </a:xfrm>
+            <a:prstGeom prst="rightArrow">
+              <a:avLst/>
+            </a:prstGeom>
+          </p:spPr>
+          <p:style>
+            <a:lnRef idx="0">
+              <a:schemeClr val="accent5"/>
+            </a:lnRef>
+            <a:fillRef idx="3">
+              <a:schemeClr val="accent5"/>
+            </a:fillRef>
+            <a:effectRef idx="3">
+              <a:schemeClr val="accent5"/>
+            </a:effectRef>
+            <a:fontRef idx="minor">
+              <a:schemeClr val="lt1"/>
+            </a:fontRef>
+          </p:style>
+          <p:txBody>
+            <a:bodyPr rtlCol="0" anchor="ctr"/>
+            <a:lstStyle/>
+            <a:p>
+              <a:pPr algn="ctr"/>
+              <a:endParaRPr lang="en-CH"/>
+            </a:p>
+          </p:txBody>
+        </p:sp>
+        <p:sp>
+          <p:nvSpPr>
+            <p:cNvPr id="11" name="流程图: 接点 10">
+              <a:extLst>
+                <a:ext uri="{FF2B5EF4-FFF2-40B4-BE49-F238E27FC236}">
+                  <a16:creationId xmlns:a16="http://schemas.microsoft.com/office/drawing/2014/main" id="{BD80102A-8C5B-FF20-6496-341E60852CB0}"/>
+                </a:ext>
+              </a:extLst>
+            </p:cNvPr>
+            <p:cNvSpPr/>
+            <p:nvPr/>
+          </p:nvSpPr>
+          <p:spPr>
+            <a:xfrm>
+              <a:off x="3146969" y="3199459"/>
+              <a:ext cx="383458" cy="395646"/>
+            </a:xfrm>
+            <a:prstGeom prst="flowChartConnector">
+              <a:avLst/>
+            </a:prstGeom>
+          </p:spPr>
+          <p:style>
+            <a:lnRef idx="1">
+              <a:schemeClr val="accent3"/>
+            </a:lnRef>
+            <a:fillRef idx="2">
+              <a:schemeClr val="accent3"/>
+            </a:fillRef>
+            <a:effectRef idx="1">
+              <a:schemeClr val="accent3"/>
+            </a:effectRef>
+            <a:fontRef idx="minor">
+              <a:schemeClr val="dk1"/>
+            </a:fontRef>
+          </p:style>
+          <p:txBody>
+            <a:bodyPr rtlCol="0" anchor="ctr"/>
+            <a:lstStyle/>
+            <a:p>
+              <a:pPr algn="ctr"/>
+              <a:r>
+                <a:rPr lang="en-US" dirty="0"/>
+                <a:t>+</a:t>
+              </a:r>
+              <a:endParaRPr lang="en-CH" dirty="0"/>
+            </a:p>
+          </p:txBody>
+        </p:sp>
+        <p:sp>
+          <p:nvSpPr>
+            <p:cNvPr id="12" name="箭头: 圆角右 11">
+              <a:extLst>
+                <a:ext uri="{FF2B5EF4-FFF2-40B4-BE49-F238E27FC236}">
+                  <a16:creationId xmlns:a16="http://schemas.microsoft.com/office/drawing/2014/main" id="{172BE073-E9BF-19F4-AEBA-A10256F66939}"/>
+                </a:ext>
+              </a:extLst>
+            </p:cNvPr>
+            <p:cNvSpPr/>
+            <p:nvPr/>
+          </p:nvSpPr>
+          <p:spPr>
+            <a:xfrm rot="16200000">
+              <a:off x="6039166" y="2223597"/>
+              <a:ext cx="439808" cy="2303207"/>
+            </a:xfrm>
+            <a:prstGeom prst="bentArrow">
+              <a:avLst/>
+            </a:prstGeom>
+          </p:spPr>
+          <p:style>
+            <a:lnRef idx="0">
+              <a:schemeClr val="accent4"/>
+            </a:lnRef>
+            <a:fillRef idx="3">
+              <a:schemeClr val="accent4"/>
+            </a:fillRef>
+            <a:effectRef idx="3">
+              <a:schemeClr val="accent4"/>
+            </a:effectRef>
+            <a:fontRef idx="minor">
+              <a:schemeClr val="lt1"/>
+            </a:fontRef>
+          </p:style>
+          <p:txBody>
+            <a:bodyPr rtlCol="0" anchor="ctr"/>
+            <a:lstStyle/>
+            <a:p>
+              <a:pPr algn="ctr"/>
+              <a:endParaRPr lang="en-CH">
+                <a:solidFill>
+                  <a:schemeClr val="tx1"/>
+                </a:solidFill>
+              </a:endParaRPr>
+            </a:p>
+          </p:txBody>
+        </p:sp>
+        <mc:AlternateContent xmlns:mc="http://schemas.openxmlformats.org/markup-compatibility/2006">
+          <mc:Choice xmlns:a14="http://schemas.microsoft.com/office/drawing/2010/main" Requires="a14">
+            <p:sp>
+              <p:nvSpPr>
+                <p:cNvPr id="13" name="矩形 12">
+                  <a:extLst>
+                    <a:ext uri="{FF2B5EF4-FFF2-40B4-BE49-F238E27FC236}">
+                      <a16:creationId xmlns:a16="http://schemas.microsoft.com/office/drawing/2014/main" id="{91784746-F615-7F21-FD33-4DAFAD499E90}"/>
+                    </a:ext>
+                  </a:extLst>
+                </p:cNvPr>
+                <p:cNvSpPr/>
+                <p:nvPr/>
+              </p:nvSpPr>
+              <p:spPr>
+                <a:xfrm>
+                  <a:off x="3189373" y="3675123"/>
+                  <a:ext cx="298651" cy="1236643"/>
+                </a:xfrm>
+                <a:prstGeom prst="rect">
+                  <a:avLst/>
+                </a:prstGeom>
+              </p:spPr>
+              <p:style>
+                <a:lnRef idx="3">
+                  <a:schemeClr val="lt1"/>
+                </a:lnRef>
+                <a:fillRef idx="1">
+                  <a:schemeClr val="accent5"/>
+                </a:fillRef>
+                <a:effectRef idx="1">
+                  <a:schemeClr val="accent5"/>
+                </a:effectRef>
+                <a:fontRef idx="minor">
+                  <a:schemeClr val="lt1"/>
+                </a:fontRef>
+              </p:style>
+              <p:txBody>
+                <a:bodyPr rtlCol="0" anchor="ctr"/>
+                <a:lstStyle/>
+                <a:p>
+                  <a:pPr algn="ctr"/>
+                  <a14:m>
+                    <m:oMathPara xmlns:m="http://schemas.openxmlformats.org/officeDocument/2006/math">
+                      <m:oMathParaPr>
+                        <m:jc m:val="centerGroup"/>
+                      </m:oMathParaPr>
+                      <m:oMath xmlns:m="http://schemas.openxmlformats.org/officeDocument/2006/math">
+                        <m:r>
+                          <a:rPr lang="en-US" sz="2800" b="0" i="1" smtClean="0">
+                            <a:latin typeface="Cambria Math" panose="02040503050406030204" pitchFamily="18" charset="0"/>
+                          </a:rPr>
+                          <m:t>𝑓</m:t>
+                        </m:r>
+                      </m:oMath>
+                    </m:oMathPara>
+                  </a14:m>
+                  <a:endParaRPr lang="en-US" sz="2800" b="0" dirty="0"/>
+                </a:p>
+              </p:txBody>
+            </p:sp>
+          </mc:Choice>
+          <mc:Fallback>
+            <p:sp>
+              <p:nvSpPr>
+                <p:cNvPr id="13" name="矩形 12">
+                  <a:extLst>
+                    <a:ext uri="{FF2B5EF4-FFF2-40B4-BE49-F238E27FC236}">
+                      <a16:creationId xmlns:a16="http://schemas.microsoft.com/office/drawing/2014/main" id="{91784746-F615-7F21-FD33-4DAFAD499E90}"/>
+                    </a:ext>
+                  </a:extLst>
+                </p:cNvPr>
+                <p:cNvSpPr>
+                  <a:spLocks noRot="1" noChangeAspect="1" noMove="1" noResize="1" noEditPoints="1" noAdjustHandles="1" noChangeArrowheads="1" noChangeShapeType="1" noTextEdit="1"/>
+                </p:cNvSpPr>
+                <p:nvPr/>
+              </p:nvSpPr>
+              <p:spPr>
+                <a:xfrm>
+                  <a:off x="3189373" y="3675123"/>
+                  <a:ext cx="298651" cy="1236643"/>
+                </a:xfrm>
+                <a:prstGeom prst="rect">
+                  <a:avLst/>
+                </a:prstGeom>
+                <a:blipFill>
+                  <a:blip r:embed="rId6"/>
+                  <a:stretch>
+                    <a:fillRect/>
+                  </a:stretch>
+                </a:blipFill>
+              </p:spPr>
+              <p:txBody>
+                <a:bodyPr/>
+                <a:lstStyle/>
+                <a:p>
+                  <a:r>
+                    <a:rPr lang="en-CH">
+                      <a:noFill/>
+                    </a:rPr>
+                    <a:t> </a:t>
+                  </a:r>
+                </a:p>
+              </p:txBody>
+            </p:sp>
+          </mc:Fallback>
+        </mc:AlternateContent>
+        <p:sp>
+          <p:nvSpPr>
+            <p:cNvPr id="14" name="箭头: 右 13">
+              <a:extLst>
+                <a:ext uri="{FF2B5EF4-FFF2-40B4-BE49-F238E27FC236}">
+                  <a16:creationId xmlns:a16="http://schemas.microsoft.com/office/drawing/2014/main" id="{6008B0FD-7928-A62B-C832-402C7DDB0771}"/>
+                </a:ext>
+              </a:extLst>
+            </p:cNvPr>
+            <p:cNvSpPr/>
+            <p:nvPr/>
+          </p:nvSpPr>
+          <p:spPr>
+            <a:xfrm rot="10800000">
+              <a:off x="3584690" y="4170573"/>
+              <a:ext cx="661220" cy="245743"/>
+            </a:xfrm>
+            <a:prstGeom prst="rightArrow">
+              <a:avLst/>
+            </a:prstGeom>
+          </p:spPr>
+          <p:style>
+            <a:lnRef idx="0">
+              <a:schemeClr val="accent5"/>
+            </a:lnRef>
+            <a:fillRef idx="3">
+              <a:schemeClr val="accent5"/>
+            </a:fillRef>
+            <a:effectRef idx="3">
+              <a:schemeClr val="accent5"/>
+            </a:effectRef>
+            <a:fontRef idx="minor">
+              <a:schemeClr val="lt1"/>
+            </a:fontRef>
+          </p:style>
+          <p:txBody>
+            <a:bodyPr rtlCol="0" anchor="ctr"/>
+            <a:lstStyle/>
+            <a:p>
+              <a:pPr algn="ctr"/>
+              <a:endParaRPr lang="en-CH"/>
+            </a:p>
+          </p:txBody>
+        </p:sp>
+        <mc:AlternateContent xmlns:mc="http://schemas.openxmlformats.org/markup-compatibility/2006">
+          <mc:Choice xmlns:a14="http://schemas.microsoft.com/office/drawing/2010/main" Requires="a14">
+            <p:sp>
+              <p:nvSpPr>
+                <p:cNvPr id="15" name="矩形 14">
+                  <a:extLst>
+                    <a:ext uri="{FF2B5EF4-FFF2-40B4-BE49-F238E27FC236}">
+                      <a16:creationId xmlns:a16="http://schemas.microsoft.com/office/drawing/2014/main" id="{ACE554E8-FC04-5D4C-A5AA-4343524D81B9}"/>
+                    </a:ext>
+                  </a:extLst>
+                </p:cNvPr>
+                <p:cNvSpPr/>
+                <p:nvPr/>
+              </p:nvSpPr>
+              <p:spPr>
+                <a:xfrm>
+                  <a:off x="3189373" y="1840779"/>
+                  <a:ext cx="302341" cy="1255024"/>
+                </a:xfrm>
+                <a:prstGeom prst="rect">
+                  <a:avLst/>
+                </a:prstGeom>
+                <a:ln>
+                  <a:noFill/>
+                </a:ln>
+              </p:spPr>
+              <p:style>
+                <a:lnRef idx="2">
+                  <a:schemeClr val="accent4">
+                    <a:shade val="15000"/>
+                  </a:schemeClr>
+                </a:lnRef>
+                <a:fillRef idx="1">
+                  <a:schemeClr val="accent4"/>
+                </a:fillRef>
+                <a:effectRef idx="0">
+                  <a:schemeClr val="accent4"/>
+                </a:effectRef>
+                <a:fontRef idx="minor">
+                  <a:schemeClr val="lt1"/>
+                </a:fontRef>
+              </p:style>
+              <p:txBody>
+                <a:bodyPr rtlCol="0" anchor="ctr"/>
+                <a:lstStyle/>
+                <a:p>
+                  <a:pPr algn="ctr"/>
+                  <a14:m>
+                    <m:oMathPara xmlns:m="http://schemas.openxmlformats.org/officeDocument/2006/math">
+                      <m:oMathParaPr>
+                        <m:jc m:val="centerGroup"/>
+                      </m:oMathParaPr>
+                      <m:oMath xmlns:m="http://schemas.openxmlformats.org/officeDocument/2006/math">
+                        <m:sSub>
+                          <m:sSubPr>
+                            <m:ctrlPr>
+                              <a:rPr lang="en-US" sz="2800" b="0" i="1" dirty="0" smtClean="0">
+                                <a:latin typeface="Cambria Math" panose="02040503050406030204" pitchFamily="18" charset="0"/>
+                              </a:rPr>
+                            </m:ctrlPr>
+                          </m:sSubPr>
+                          <m:e>
+                            <m:r>
+                              <a:rPr lang="en-US" sz="2800" b="0" i="1" dirty="0" smtClean="0">
+                                <a:latin typeface="Cambria Math" panose="02040503050406030204" pitchFamily="18" charset="0"/>
+                              </a:rPr>
+                              <m:t>𝑓</m:t>
+                            </m:r>
+                          </m:e>
+                          <m:sub>
+                            <m:r>
+                              <m:rPr>
+                                <m:sty m:val="p"/>
+                              </m:rPr>
+                              <a:rPr lang="en-US" altLang="zh-CN" sz="2800" i="1" dirty="0">
+                                <a:latin typeface="Cambria Math" panose="02040503050406030204" pitchFamily="18" charset="0"/>
+                              </a:rPr>
+                              <m:t>i</m:t>
+                            </m:r>
+                          </m:sub>
+                        </m:sSub>
+                      </m:oMath>
+                    </m:oMathPara>
+                  </a14:m>
+                  <a:endParaRPr lang="en-US" sz="2800" b="0" dirty="0"/>
+                </a:p>
+              </p:txBody>
+            </p:sp>
+          </mc:Choice>
+          <mc:Fallback>
+            <p:sp>
+              <p:nvSpPr>
+                <p:cNvPr id="15" name="矩形 14">
+                  <a:extLst>
+                    <a:ext uri="{FF2B5EF4-FFF2-40B4-BE49-F238E27FC236}">
+                      <a16:creationId xmlns:a16="http://schemas.microsoft.com/office/drawing/2014/main" id="{ACE554E8-FC04-5D4C-A5AA-4343524D81B9}"/>
+                    </a:ext>
+                  </a:extLst>
+                </p:cNvPr>
+                <p:cNvSpPr>
+                  <a:spLocks noRot="1" noChangeAspect="1" noMove="1" noResize="1" noEditPoints="1" noAdjustHandles="1" noChangeArrowheads="1" noChangeShapeType="1" noTextEdit="1"/>
+                </p:cNvSpPr>
+                <p:nvPr/>
+              </p:nvSpPr>
+              <p:spPr>
+                <a:xfrm>
+                  <a:off x="3189373" y="1840779"/>
+                  <a:ext cx="302341" cy="1255024"/>
+                </a:xfrm>
+                <a:prstGeom prst="rect">
+                  <a:avLst/>
+                </a:prstGeom>
+                <a:blipFill>
+                  <a:blip r:embed="rId7"/>
+                  <a:stretch>
+                    <a:fillRect/>
+                  </a:stretch>
+                </a:blipFill>
+                <a:ln>
+                  <a:noFill/>
+                </a:ln>
+              </p:spPr>
+              <p:txBody>
+                <a:bodyPr/>
+                <a:lstStyle/>
+                <a:p>
+                  <a:r>
+                    <a:rPr lang="en-CH">
+                      <a:noFill/>
+                    </a:rPr>
+                    <a:t> </a:t>
+                  </a:r>
+                </a:p>
+              </p:txBody>
+            </p:sp>
+          </mc:Fallback>
+        </mc:AlternateContent>
+        <p:sp>
+          <p:nvSpPr>
+            <p:cNvPr id="16" name="梯形 15">
+              <a:extLst>
+                <a:ext uri="{FF2B5EF4-FFF2-40B4-BE49-F238E27FC236}">
+                  <a16:creationId xmlns:a16="http://schemas.microsoft.com/office/drawing/2014/main" id="{DB0A7F82-BC46-4695-C05F-1E098B1B9CD5}"/>
+                </a:ext>
+              </a:extLst>
+            </p:cNvPr>
+            <p:cNvSpPr/>
+            <p:nvPr/>
+          </p:nvSpPr>
+          <p:spPr>
+            <a:xfrm rot="5400000">
+              <a:off x="4534642" y="3508033"/>
+              <a:ext cx="1255024" cy="1589570"/>
+            </a:xfrm>
+            <a:prstGeom prst="trapezoid">
+              <a:avLst/>
+            </a:prstGeom>
+          </p:spPr>
+          <p:style>
+            <a:lnRef idx="1">
+              <a:schemeClr val="accent5"/>
+            </a:lnRef>
+            <a:fillRef idx="2">
+              <a:schemeClr val="accent5"/>
+            </a:fillRef>
+            <a:effectRef idx="1">
+              <a:schemeClr val="accent5"/>
+            </a:effectRef>
+            <a:fontRef idx="minor">
+              <a:schemeClr val="dk1"/>
+            </a:fontRef>
+          </p:style>
+          <p:txBody>
+            <a:bodyPr rtlCol="0" anchor="ctr"/>
+            <a:lstStyle/>
+            <a:p>
+              <a:pPr algn="ctr"/>
+              <a:endParaRPr lang="en-CH" dirty="0"/>
+            </a:p>
+          </p:txBody>
+        </p:sp>
+        <p:sp>
+          <p:nvSpPr>
+            <p:cNvPr id="17" name="文本框 16">
+              <a:extLst>
+                <a:ext uri="{FF2B5EF4-FFF2-40B4-BE49-F238E27FC236}">
+                  <a16:creationId xmlns:a16="http://schemas.microsoft.com/office/drawing/2014/main" id="{0E8B4020-B669-590F-3490-29D56B91A9AB}"/>
+                </a:ext>
+              </a:extLst>
+            </p:cNvPr>
+            <p:cNvSpPr txBox="1"/>
+            <p:nvPr/>
+          </p:nvSpPr>
+          <p:spPr>
+            <a:xfrm>
+              <a:off x="4513888" y="4164305"/>
+              <a:ext cx="1394903" cy="307957"/>
+            </a:xfrm>
+            <a:prstGeom prst="rect">
+              <a:avLst/>
+            </a:prstGeom>
+            <a:noFill/>
+          </p:spPr>
+          <p:txBody>
+            <a:bodyPr wrap="square" rtlCol="0">
+              <a:spAutoFit/>
+            </a:bodyPr>
+            <a:lstStyle/>
+            <a:p>
+              <a:r>
+                <a:rPr lang="en-US" sz="2800" dirty="0"/>
+                <a:t>Bipartite GNN</a:t>
+              </a:r>
+              <a:endParaRPr lang="en-CH" sz="2800" dirty="0"/>
+            </a:p>
+          </p:txBody>
+        </p:sp>
+        <mc:AlternateContent xmlns:mc="http://schemas.openxmlformats.org/markup-compatibility/2006">
+          <mc:Choice xmlns:a14="http://schemas.microsoft.com/office/drawing/2010/main" Requires="a14">
+            <p:sp>
+              <p:nvSpPr>
+                <p:cNvPr id="18" name="矩形 17">
+                  <a:extLst>
+                    <a:ext uri="{FF2B5EF4-FFF2-40B4-BE49-F238E27FC236}">
+                      <a16:creationId xmlns:a16="http://schemas.microsoft.com/office/drawing/2014/main" id="{8F552507-3E0E-0651-419F-D9574AB98FAE}"/>
+                    </a:ext>
+                  </a:extLst>
+                </p:cNvPr>
+                <p:cNvSpPr/>
+                <p:nvPr/>
+              </p:nvSpPr>
+              <p:spPr>
+                <a:xfrm>
+                  <a:off x="6716850" y="1840779"/>
+                  <a:ext cx="302341" cy="1255024"/>
+                </a:xfrm>
+                <a:prstGeom prst="rect">
+                  <a:avLst/>
+                </a:prstGeom>
+                <a:ln>
+                  <a:noFill/>
+                </a:ln>
+              </p:spPr>
+              <p:style>
+                <a:lnRef idx="2">
+                  <a:schemeClr val="accent4">
+                    <a:shade val="15000"/>
+                  </a:schemeClr>
+                </a:lnRef>
+                <a:fillRef idx="1">
+                  <a:schemeClr val="accent4"/>
+                </a:fillRef>
+                <a:effectRef idx="0">
+                  <a:schemeClr val="accent4"/>
+                </a:effectRef>
+                <a:fontRef idx="minor">
+                  <a:schemeClr val="lt1"/>
+                </a:fontRef>
+              </p:style>
+              <p:txBody>
+                <a:bodyPr rtlCol="0" anchor="ctr"/>
+                <a:lstStyle/>
+                <a:p>
+                  <a:pPr algn="ctr"/>
+                  <a14:m>
+                    <m:oMathPara xmlns:m="http://schemas.openxmlformats.org/officeDocument/2006/math">
+                      <m:oMathParaPr>
+                        <m:jc m:val="centerGroup"/>
+                      </m:oMathParaPr>
+                      <m:oMath xmlns:m="http://schemas.openxmlformats.org/officeDocument/2006/math">
+                        <m:sSub>
+                          <m:sSubPr>
+                            <m:ctrlPr>
+                              <a:rPr lang="en-US" sz="2800" b="0" i="1" dirty="0" smtClean="0">
+                                <a:latin typeface="Cambria Math" panose="02040503050406030204" pitchFamily="18" charset="0"/>
+                              </a:rPr>
+                            </m:ctrlPr>
+                          </m:sSubPr>
+                          <m:e>
+                            <m:r>
+                              <a:rPr lang="en-US" sz="2800" b="0" i="1" dirty="0" smtClean="0">
+                                <a:latin typeface="Cambria Math" panose="02040503050406030204" pitchFamily="18" charset="0"/>
+                              </a:rPr>
+                              <m:t>𝑢</m:t>
+                            </m:r>
+                          </m:e>
+                          <m:sub>
+                            <m:r>
+                              <m:rPr>
+                                <m:sty m:val="p"/>
+                              </m:rPr>
+                              <a:rPr lang="en-US" altLang="zh-CN" sz="2800" i="1" dirty="0">
+                                <a:latin typeface="Cambria Math" panose="02040503050406030204" pitchFamily="18" charset="0"/>
+                              </a:rPr>
+                              <m:t>i</m:t>
+                            </m:r>
+                          </m:sub>
+                        </m:sSub>
+                      </m:oMath>
+                    </m:oMathPara>
+                  </a14:m>
+                  <a:endParaRPr lang="en-US" sz="2800" b="0" dirty="0"/>
+                </a:p>
+              </p:txBody>
+            </p:sp>
+          </mc:Choice>
+          <mc:Fallback>
+            <p:sp>
+              <p:nvSpPr>
+                <p:cNvPr id="18" name="矩形 17">
+                  <a:extLst>
+                    <a:ext uri="{FF2B5EF4-FFF2-40B4-BE49-F238E27FC236}">
+                      <a16:creationId xmlns:a16="http://schemas.microsoft.com/office/drawing/2014/main" id="{8F552507-3E0E-0651-419F-D9574AB98FAE}"/>
+                    </a:ext>
+                  </a:extLst>
+                </p:cNvPr>
+                <p:cNvSpPr>
+                  <a:spLocks noRot="1" noChangeAspect="1" noMove="1" noResize="1" noEditPoints="1" noAdjustHandles="1" noChangeArrowheads="1" noChangeShapeType="1" noTextEdit="1"/>
+                </p:cNvSpPr>
+                <p:nvPr/>
+              </p:nvSpPr>
+              <p:spPr>
+                <a:xfrm>
+                  <a:off x="6716850" y="1840779"/>
+                  <a:ext cx="302341" cy="1255024"/>
+                </a:xfrm>
+                <a:prstGeom prst="rect">
+                  <a:avLst/>
+                </a:prstGeom>
+                <a:blipFill>
+                  <a:blip r:embed="rId8"/>
+                  <a:stretch>
+                    <a:fillRect/>
+                  </a:stretch>
+                </a:blipFill>
+                <a:ln>
+                  <a:noFill/>
+                </a:ln>
+              </p:spPr>
+              <p:txBody>
+                <a:bodyPr/>
+                <a:lstStyle/>
+                <a:p>
+                  <a:r>
+                    <a:rPr lang="en-CH">
+                      <a:noFill/>
+                    </a:rPr>
+                    <a:t> </a:t>
+                  </a:r>
+                </a:p>
+              </p:txBody>
+            </p:sp>
+          </mc:Fallback>
+        </mc:AlternateContent>
+        <p:sp>
+          <p:nvSpPr>
+            <p:cNvPr id="19" name="箭头: 右 18">
+              <a:extLst>
+                <a:ext uri="{FF2B5EF4-FFF2-40B4-BE49-F238E27FC236}">
+                  <a16:creationId xmlns:a16="http://schemas.microsoft.com/office/drawing/2014/main" id="{44446357-36C8-8A80-36CA-CBB5B1178610}"/>
+                </a:ext>
+              </a:extLst>
+            </p:cNvPr>
+            <p:cNvSpPr/>
+            <p:nvPr/>
+          </p:nvSpPr>
+          <p:spPr>
+            <a:xfrm>
+              <a:off x="6010154" y="2318525"/>
+              <a:ext cx="706696" cy="326254"/>
+            </a:xfrm>
+            <a:prstGeom prst="rightArrow">
+              <a:avLst/>
+            </a:prstGeom>
+          </p:spPr>
+          <p:style>
+            <a:lnRef idx="0">
+              <a:schemeClr val="accent4"/>
+            </a:lnRef>
+            <a:fillRef idx="3">
+              <a:schemeClr val="accent4"/>
+            </a:fillRef>
+            <a:effectRef idx="3">
+              <a:schemeClr val="accent4"/>
+            </a:effectRef>
+            <a:fontRef idx="minor">
+              <a:schemeClr val="lt1"/>
+            </a:fontRef>
+          </p:style>
+          <p:txBody>
+            <a:bodyPr rtlCol="0" anchor="ctr"/>
+            <a:lstStyle/>
+            <a:p>
+              <a:pPr algn="ctr"/>
+              <a:endParaRPr lang="en-CH"/>
+            </a:p>
+          </p:txBody>
+        </p:sp>
+      </p:grpSp>
+    </p:spTree>
+    <p:extLst>
+      <p:ext uri="{BB962C8B-B14F-4D97-AF65-F5344CB8AC3E}">
+        <p14:creationId xmlns:p14="http://schemas.microsoft.com/office/powerpoint/2010/main" val="3314968654"/>
       </p:ext>
     </p:extLst>
   </p:cSld>
